--- a/presentations/Heart Disease Detection Using Machine Learning Colors.pptx
+++ b/presentations/Heart Disease Detection Using Machine Learning Colors.pptx
@@ -5172,7 +5172,7 @@
         </p:spPr>
         <p:txBody>
           <a:bodyPr>
-            <a:normAutofit/>
+            <a:noAutofit/>
           </a:bodyPr>
           <a:lstStyle/>
           <a:p>
@@ -5182,13 +5182,16 @@
               </a:lnSpc>
             </a:pPr>
             <a:r>
-              <a:rPr lang="en-US" sz="5000">
-                <a:effectLst/>
-                <a:latin typeface="CMSS17"/>
-              </a:rPr>
-              <a:t>Heart Disease Detection Using Machine Learning</a:t>
-            </a:r>
-            <a:endParaRPr lang="en-US" sz="5000"/>
+              <a:rPr lang="en-US" sz="4000" dirty="0"/>
+              <a:t>Comparative Analysis </a:t>
+            </a:r>
+            <a:br>
+              <a:rPr lang="en-US" sz="4000" dirty="0"/>
+            </a:br>
+            <a:r>
+              <a:rPr lang="en-US" sz="4000" dirty="0"/>
+              <a:t>Of Heart Disease Detection Using Standard Machine Learning Models</a:t>
+            </a:r>
           </a:p>
         </p:txBody>
       </p:sp>
@@ -5211,28 +5214,18 @@
         <p:spPr>
           <a:xfrm>
             <a:off x="6562613" y="4719982"/>
-            <a:ext cx="4655719" cy="882904"/>
+            <a:ext cx="4655719" cy="701104"/>
           </a:xfrm>
         </p:spPr>
         <p:txBody>
           <a:bodyPr>
-            <a:normAutofit lnSpcReduction="10000"/>
+            <a:normAutofit/>
           </a:bodyPr>
           <a:lstStyle/>
           <a:p>
             <a:r>
               <a:rPr lang="en-US" dirty="0"/>
               <a:t>Presented by P. Swetha</a:t>
-            </a:r>
-          </a:p>
-          <a:p>
-            <a:r>
-              <a:rPr lang="en-US" dirty="0" err="1"/>
-              <a:t>Cwid</a:t>
-            </a:r>
-            <a:r>
-              <a:rPr lang="en-US" dirty="0"/>
-              <a:t> : 50327476</a:t>
             </a:r>
           </a:p>
         </p:txBody>
@@ -5503,52 +5496,6 @@
                                           <p:spTgt spid="3">
                                             <p:txEl>
                                               <p:pRg st="0" end="0"/>
-                                            </p:txEl>
-                                          </p:spTgt>
-                                        </p:tgtEl>
-                                      </p:cBhvr>
-                                    </p:animEffect>
-                                  </p:childTnLst>
-                                </p:cTn>
-                              </p:par>
-                              <p:par>
-                                <p:cTn id="11" presetID="10" presetClass="entr" presetSubtype="0" fill="hold" grpId="0" nodeType="withEffect">
-                                  <p:stCondLst>
-                                    <p:cond delay="1500"/>
-                                  </p:stCondLst>
-                                  <p:iterate>
-                                    <p:tmPct val="10000"/>
-                                  </p:iterate>
-                                  <p:childTnLst>
-                                    <p:set>
-                                      <p:cBhvr>
-                                        <p:cTn id="12" dur="1" fill="hold">
-                                          <p:stCondLst>
-                                            <p:cond delay="0"/>
-                                          </p:stCondLst>
-                                        </p:cTn>
-                                        <p:tgtEl>
-                                          <p:spTgt spid="3">
-                                            <p:txEl>
-                                              <p:pRg st="1" end="1"/>
-                                            </p:txEl>
-                                          </p:spTgt>
-                                        </p:tgtEl>
-                                        <p:attrNameLst>
-                                          <p:attrName>style.visibility</p:attrName>
-                                        </p:attrNameLst>
-                                      </p:cBhvr>
-                                      <p:to>
-                                        <p:strVal val="visible"/>
-                                      </p:to>
-                                    </p:set>
-                                    <p:animEffect transition="in" filter="fade">
-                                      <p:cBhvr>
-                                        <p:cTn id="13" dur="700"/>
-                                        <p:tgtEl>
-                                          <p:spTgt spid="3">
-                                            <p:txEl>
-                                              <p:pRg st="1" end="1"/>
                                             </p:txEl>
                                           </p:spTgt>
                                         </p:tgtEl>
